--- a/chart.pptx
+++ b/chart.pptx
@@ -5,7 +5,7 @@
     <p:sldMasterId id="2147483648" r:id="rId1"/>
   </p:sldMasterIdLst>
   <p:notesMasterIdLst>
-    <p:notesMasterId r:id="rId8"/>
+    <p:notesMasterId r:id="rId9"/>
   </p:notesMasterIdLst>
   <p:sldIdLst>
     <p:sldId id="256" r:id="rId2"/>
@@ -14,6 +14,7 @@
     <p:sldId id="263" r:id="rId5"/>
     <p:sldId id="261" r:id="rId6"/>
     <p:sldId id="262" r:id="rId7"/>
+    <p:sldId id="264" r:id="rId8"/>
   </p:sldIdLst>
   <p:sldSz cx="12192000" cy="6858000"/>
   <p:notesSz cx="6858000" cy="9144000"/>
@@ -205,7 +206,7 @@
           <a:p>
             <a:fld id="{7CBA950C-7972-D043-B720-0DD94B641F1E}" type="datetimeFigureOut">
               <a:rPr kumimoji="1" lang="zh-CN" altLang="en-US" smtClean="0"/>
-              <a:t>2019/10/23</a:t>
+              <a:t>2019/11/1</a:t>
             </a:fld>
             <a:endParaRPr kumimoji="1" lang="zh-CN" altLang="en-US"/>
           </a:p>
@@ -1106,6 +1107,90 @@
 </p:notes>
 </file>
 
+<file path=ppt/notesSlides/notesSlide7.xml><?xml version="1.0" encoding="utf-8"?>
+<p:notes xmlns:a="http://schemas.openxmlformats.org/drawingml/2006/main" xmlns:r="http://schemas.openxmlformats.org/officeDocument/2006/relationships" xmlns:p="http://schemas.openxmlformats.org/presentationml/2006/main">
+  <p:cSld>
+    <p:spTree>
+      <p:nvGrpSpPr>
+        <p:cNvPr id="1" name=""/>
+        <p:cNvGrpSpPr/>
+        <p:nvPr/>
+      </p:nvGrpSpPr>
+      <p:grpSpPr>
+        <a:xfrm>
+          <a:off x="0" y="0"/>
+          <a:ext cx="0" cy="0"/>
+          <a:chOff x="0" y="0"/>
+          <a:chExt cx="0" cy="0"/>
+        </a:xfrm>
+      </p:grpSpPr>
+      <p:sp>
+        <p:nvSpPr>
+          <p:cNvPr id="2" name="幻灯片图像占位符 1"/>
+          <p:cNvSpPr>
+            <a:spLocks noGrp="1" noRot="1" noChangeAspect="1"/>
+          </p:cNvSpPr>
+          <p:nvPr>
+            <p:ph type="sldImg"/>
+          </p:nvPr>
+        </p:nvSpPr>
+        <p:spPr/>
+      </p:sp>
+      <p:sp>
+        <p:nvSpPr>
+          <p:cNvPr id="3" name="备注占位符 2"/>
+          <p:cNvSpPr>
+            <a:spLocks noGrp="1"/>
+          </p:cNvSpPr>
+          <p:nvPr>
+            <p:ph type="body" idx="1"/>
+          </p:nvPr>
+        </p:nvSpPr>
+        <p:spPr/>
+        <p:txBody>
+          <a:bodyPr/>
+          <a:lstStyle/>
+          <a:p>
+            <a:endParaRPr kumimoji="1" lang="en-US" altLang="zh-CN" dirty="0"/>
+          </a:p>
+        </p:txBody>
+      </p:sp>
+      <p:sp>
+        <p:nvSpPr>
+          <p:cNvPr id="4" name="灯片编号占位符 3"/>
+          <p:cNvSpPr>
+            <a:spLocks noGrp="1"/>
+          </p:cNvSpPr>
+          <p:nvPr>
+            <p:ph type="sldNum" sz="quarter" idx="5"/>
+          </p:nvPr>
+        </p:nvSpPr>
+        <p:spPr/>
+        <p:txBody>
+          <a:bodyPr/>
+          <a:lstStyle/>
+          <a:p>
+            <a:fld id="{5965213F-6C30-9842-B710-5963A99579E8}" type="slidenum">
+              <a:rPr kumimoji="1" lang="zh-CN" altLang="en-US" smtClean="0"/>
+              <a:t>7</a:t>
+            </a:fld>
+            <a:endParaRPr kumimoji="1" lang="zh-CN" altLang="en-US"/>
+          </a:p>
+        </p:txBody>
+      </p:sp>
+    </p:spTree>
+    <p:extLst>
+      <p:ext uri="{BB962C8B-B14F-4D97-AF65-F5344CB8AC3E}">
+        <p14:creationId xmlns:p14="http://schemas.microsoft.com/office/powerpoint/2010/main" val="482763928"/>
+      </p:ext>
+    </p:extLst>
+  </p:cSld>
+  <p:clrMapOvr>
+    <a:masterClrMapping/>
+  </p:clrMapOvr>
+</p:notes>
+</file>
+
 <file path=ppt/slideLayouts/slideLayout1.xml><?xml version="1.0" encoding="utf-8"?>
 <p:sldLayout xmlns:a="http://schemas.openxmlformats.org/drawingml/2006/main" xmlns:r="http://schemas.openxmlformats.org/officeDocument/2006/relationships" xmlns:p="http://schemas.openxmlformats.org/presentationml/2006/main" type="title" preserve="1">
   <p:cSld name="标题幻灯片">
@@ -1253,7 +1338,7 @@
           <a:p>
             <a:fld id="{71948C19-5236-8645-9043-99CB94F0DEFF}" type="datetimeFigureOut">
               <a:rPr kumimoji="1" lang="zh-CN" altLang="en-US" smtClean="0"/>
-              <a:t>2019/10/23</a:t>
+              <a:t>2019/11/1</a:t>
             </a:fld>
             <a:endParaRPr kumimoji="1" lang="zh-CN" altLang="en-US"/>
           </a:p>
@@ -1451,7 +1536,7 @@
           <a:p>
             <a:fld id="{71948C19-5236-8645-9043-99CB94F0DEFF}" type="datetimeFigureOut">
               <a:rPr kumimoji="1" lang="zh-CN" altLang="en-US" smtClean="0"/>
-              <a:t>2019/10/23</a:t>
+              <a:t>2019/11/1</a:t>
             </a:fld>
             <a:endParaRPr kumimoji="1" lang="zh-CN" altLang="en-US"/>
           </a:p>
@@ -1659,7 +1744,7 @@
           <a:p>
             <a:fld id="{71948C19-5236-8645-9043-99CB94F0DEFF}" type="datetimeFigureOut">
               <a:rPr kumimoji="1" lang="zh-CN" altLang="en-US" smtClean="0"/>
-              <a:t>2019/10/23</a:t>
+              <a:t>2019/11/1</a:t>
             </a:fld>
             <a:endParaRPr kumimoji="1" lang="zh-CN" altLang="en-US"/>
           </a:p>
@@ -1857,7 +1942,7 @@
           <a:p>
             <a:fld id="{71948C19-5236-8645-9043-99CB94F0DEFF}" type="datetimeFigureOut">
               <a:rPr kumimoji="1" lang="zh-CN" altLang="en-US" smtClean="0"/>
-              <a:t>2019/10/23</a:t>
+              <a:t>2019/11/1</a:t>
             </a:fld>
             <a:endParaRPr kumimoji="1" lang="zh-CN" altLang="en-US"/>
           </a:p>
@@ -2132,7 +2217,7 @@
           <a:p>
             <a:fld id="{71948C19-5236-8645-9043-99CB94F0DEFF}" type="datetimeFigureOut">
               <a:rPr kumimoji="1" lang="zh-CN" altLang="en-US" smtClean="0"/>
-              <a:t>2019/10/23</a:t>
+              <a:t>2019/11/1</a:t>
             </a:fld>
             <a:endParaRPr kumimoji="1" lang="zh-CN" altLang="en-US"/>
           </a:p>
@@ -2397,7 +2482,7 @@
           <a:p>
             <a:fld id="{71948C19-5236-8645-9043-99CB94F0DEFF}" type="datetimeFigureOut">
               <a:rPr kumimoji="1" lang="zh-CN" altLang="en-US" smtClean="0"/>
-              <a:t>2019/10/23</a:t>
+              <a:t>2019/11/1</a:t>
             </a:fld>
             <a:endParaRPr kumimoji="1" lang="zh-CN" altLang="en-US"/>
           </a:p>
@@ -2809,7 +2894,7 @@
           <a:p>
             <a:fld id="{71948C19-5236-8645-9043-99CB94F0DEFF}" type="datetimeFigureOut">
               <a:rPr kumimoji="1" lang="zh-CN" altLang="en-US" smtClean="0"/>
-              <a:t>2019/10/23</a:t>
+              <a:t>2019/11/1</a:t>
             </a:fld>
             <a:endParaRPr kumimoji="1" lang="zh-CN" altLang="en-US"/>
           </a:p>
@@ -2950,7 +3035,7 @@
           <a:p>
             <a:fld id="{71948C19-5236-8645-9043-99CB94F0DEFF}" type="datetimeFigureOut">
               <a:rPr kumimoji="1" lang="zh-CN" altLang="en-US" smtClean="0"/>
-              <a:t>2019/10/23</a:t>
+              <a:t>2019/11/1</a:t>
             </a:fld>
             <a:endParaRPr kumimoji="1" lang="zh-CN" altLang="en-US"/>
           </a:p>
@@ -3063,7 +3148,7 @@
           <a:p>
             <a:fld id="{71948C19-5236-8645-9043-99CB94F0DEFF}" type="datetimeFigureOut">
               <a:rPr kumimoji="1" lang="zh-CN" altLang="en-US" smtClean="0"/>
-              <a:t>2019/10/23</a:t>
+              <a:t>2019/11/1</a:t>
             </a:fld>
             <a:endParaRPr kumimoji="1" lang="zh-CN" altLang="en-US"/>
           </a:p>
@@ -3374,7 +3459,7 @@
           <a:p>
             <a:fld id="{71948C19-5236-8645-9043-99CB94F0DEFF}" type="datetimeFigureOut">
               <a:rPr kumimoji="1" lang="zh-CN" altLang="en-US" smtClean="0"/>
-              <a:t>2019/10/23</a:t>
+              <a:t>2019/11/1</a:t>
             </a:fld>
             <a:endParaRPr kumimoji="1" lang="zh-CN" altLang="en-US"/>
           </a:p>
@@ -3662,7 +3747,7 @@
           <a:p>
             <a:fld id="{71948C19-5236-8645-9043-99CB94F0DEFF}" type="datetimeFigureOut">
               <a:rPr kumimoji="1" lang="zh-CN" altLang="en-US" smtClean="0"/>
-              <a:t>2019/10/23</a:t>
+              <a:t>2019/11/1</a:t>
             </a:fld>
             <a:endParaRPr kumimoji="1" lang="zh-CN" altLang="en-US"/>
           </a:p>
@@ -3903,7 +3988,7 @@
           <a:p>
             <a:fld id="{71948C19-5236-8645-9043-99CB94F0DEFF}" type="datetimeFigureOut">
               <a:rPr kumimoji="1" lang="zh-CN" altLang="en-US" smtClean="0"/>
-              <a:t>2019/10/23</a:t>
+              <a:t>2019/11/1</a:t>
             </a:fld>
             <a:endParaRPr kumimoji="1" lang="zh-CN" altLang="en-US"/>
           </a:p>
@@ -20819,6 +20904,1705 @@
     <p:extLst>
       <p:ext uri="{BB962C8B-B14F-4D97-AF65-F5344CB8AC3E}">
         <p14:creationId xmlns:p14="http://schemas.microsoft.com/office/powerpoint/2010/main" val="904596981"/>
+      </p:ext>
+    </p:extLst>
+  </p:cSld>
+  <p:clrMapOvr>
+    <a:masterClrMapping/>
+  </p:clrMapOvr>
+</p:sld>
+</file>
+
+<file path=ppt/slides/slide7.xml><?xml version="1.0" encoding="utf-8"?>
+<p:sld xmlns:a="http://schemas.openxmlformats.org/drawingml/2006/main" xmlns:r="http://schemas.openxmlformats.org/officeDocument/2006/relationships" xmlns:p="http://schemas.openxmlformats.org/presentationml/2006/main">
+  <p:cSld>
+    <p:spTree>
+      <p:nvGrpSpPr>
+        <p:cNvPr id="1" name=""/>
+        <p:cNvGrpSpPr/>
+        <p:nvPr/>
+      </p:nvGrpSpPr>
+      <p:grpSpPr>
+        <a:xfrm>
+          <a:off x="0" y="0"/>
+          <a:ext cx="0" cy="0"/>
+          <a:chOff x="0" y="0"/>
+          <a:chExt cx="0" cy="0"/>
+        </a:xfrm>
+      </p:grpSpPr>
+      <p:sp>
+        <p:nvSpPr>
+          <p:cNvPr id="124" name="矩形 123">
+            <a:extLst>
+              <a:ext uri="{FF2B5EF4-FFF2-40B4-BE49-F238E27FC236}">
+                <a16:creationId xmlns:a16="http://schemas.microsoft.com/office/drawing/2014/main" id="{AA2908D2-8E70-EE46-8EF7-94B98D1BED27}"/>
+              </a:ext>
+            </a:extLst>
+          </p:cNvPr>
+          <p:cNvSpPr/>
+          <p:nvPr/>
+        </p:nvSpPr>
+        <p:spPr>
+          <a:xfrm>
+            <a:off x="302486" y="160200"/>
+            <a:ext cx="2790533" cy="1777209"/>
+          </a:xfrm>
+          <a:prstGeom prst="rect">
+            <a:avLst/>
+          </a:prstGeom>
+          <a:noFill/>
+          <a:ln>
+            <a:solidFill>
+              <a:schemeClr val="tx1"/>
+            </a:solidFill>
+            <a:prstDash val="dash"/>
+          </a:ln>
+        </p:spPr>
+        <p:style>
+          <a:lnRef idx="0">
+            <a:scrgbClr r="0" g="0" b="0"/>
+          </a:lnRef>
+          <a:fillRef idx="0">
+            <a:scrgbClr r="0" g="0" b="0"/>
+          </a:fillRef>
+          <a:effectRef idx="0">
+            <a:scrgbClr r="0" g="0" b="0"/>
+          </a:effectRef>
+          <a:fontRef idx="minor">
+            <a:schemeClr val="lt1"/>
+          </a:fontRef>
+        </p:style>
+        <p:txBody>
+          <a:bodyPr vert="horz" rtlCol="0" anchor="t"/>
+          <a:lstStyle/>
+          <a:p>
+            <a:r>
+              <a:rPr kumimoji="1" lang="en-US" altLang="zh-CN" sz="1500" dirty="0">
+                <a:solidFill>
+                  <a:schemeClr val="tx1"/>
+                </a:solidFill>
+              </a:rPr>
+              <a:t>IDC1/2</a:t>
+            </a:r>
+            <a:endParaRPr kumimoji="1" lang="zh-CN" altLang="en-US" sz="1500" dirty="0">
+              <a:solidFill>
+                <a:schemeClr val="tx1"/>
+              </a:solidFill>
+            </a:endParaRPr>
+          </a:p>
+        </p:txBody>
+      </p:sp>
+      <p:sp>
+        <p:nvSpPr>
+          <p:cNvPr id="26" name="矩形 25">
+            <a:extLst>
+              <a:ext uri="{FF2B5EF4-FFF2-40B4-BE49-F238E27FC236}">
+                <a16:creationId xmlns:a16="http://schemas.microsoft.com/office/drawing/2014/main" id="{4D8F7909-461F-AA47-A246-48D34ED9B157}"/>
+              </a:ext>
+            </a:extLst>
+          </p:cNvPr>
+          <p:cNvSpPr/>
+          <p:nvPr/>
+        </p:nvSpPr>
+        <p:spPr>
+          <a:xfrm>
+            <a:off x="621718" y="602708"/>
+            <a:ext cx="1535563" cy="1173809"/>
+          </a:xfrm>
+          <a:prstGeom prst="rect">
+            <a:avLst/>
+          </a:prstGeom>
+          <a:noFill/>
+          <a:ln>
+            <a:solidFill>
+              <a:schemeClr val="accent1"/>
+            </a:solidFill>
+          </a:ln>
+        </p:spPr>
+        <p:style>
+          <a:lnRef idx="0">
+            <a:scrgbClr r="0" g="0" b="0"/>
+          </a:lnRef>
+          <a:fillRef idx="0">
+            <a:scrgbClr r="0" g="0" b="0"/>
+          </a:fillRef>
+          <a:effectRef idx="0">
+            <a:scrgbClr r="0" g="0" b="0"/>
+          </a:effectRef>
+          <a:fontRef idx="minor">
+            <a:schemeClr val="lt1"/>
+          </a:fontRef>
+        </p:style>
+        <p:txBody>
+          <a:bodyPr rtlCol="0" anchor="ctr"/>
+          <a:lstStyle/>
+          <a:p>
+            <a:pPr algn="ctr"/>
+            <a:r>
+              <a:rPr kumimoji="1" lang="zh-CN" altLang="en-US" sz="1200" dirty="0">
+                <a:solidFill>
+                  <a:schemeClr val="tx1"/>
+                </a:solidFill>
+              </a:rPr>
+              <a:t>业务前</a:t>
+            </a:r>
+            <a:r>
+              <a:rPr kumimoji="1" lang="en-US" altLang="zh-CN" sz="1200" dirty="0">
+                <a:solidFill>
+                  <a:schemeClr val="tx1"/>
+                </a:solidFill>
+              </a:rPr>
+              <a:t>/</a:t>
+            </a:r>
+            <a:r>
+              <a:rPr kumimoji="1" lang="zh-CN" altLang="en-US" sz="1200" dirty="0">
+                <a:solidFill>
+                  <a:schemeClr val="tx1"/>
+                </a:solidFill>
+              </a:rPr>
+              <a:t>中台</a:t>
+            </a:r>
+            <a:r>
+              <a:rPr kumimoji="1" lang="en-US" altLang="zh-CN" sz="1200" dirty="0">
+                <a:solidFill>
+                  <a:schemeClr val="tx1"/>
+                </a:solidFill>
+              </a:rPr>
+              <a:t>/</a:t>
+            </a:r>
+            <a:r>
+              <a:rPr kumimoji="1" lang="zh-CN" altLang="en-US" sz="1200" dirty="0">
+                <a:solidFill>
+                  <a:schemeClr val="tx1"/>
+                </a:solidFill>
+              </a:rPr>
+              <a:t>后台</a:t>
+            </a:r>
+          </a:p>
+        </p:txBody>
+      </p:sp>
+      <p:sp>
+        <p:nvSpPr>
+          <p:cNvPr id="27" name="矩形 26">
+            <a:extLst>
+              <a:ext uri="{FF2B5EF4-FFF2-40B4-BE49-F238E27FC236}">
+                <a16:creationId xmlns:a16="http://schemas.microsoft.com/office/drawing/2014/main" id="{CD64F2D8-2B49-D646-AF73-008E397D4858}"/>
+              </a:ext>
+            </a:extLst>
+          </p:cNvPr>
+          <p:cNvSpPr/>
+          <p:nvPr/>
+        </p:nvSpPr>
+        <p:spPr>
+          <a:xfrm>
+            <a:off x="3840479" y="160200"/>
+            <a:ext cx="1985257" cy="1777209"/>
+          </a:xfrm>
+          <a:prstGeom prst="rect">
+            <a:avLst/>
+          </a:prstGeom>
+          <a:noFill/>
+          <a:ln>
+            <a:solidFill>
+              <a:schemeClr val="tx1"/>
+            </a:solidFill>
+            <a:prstDash val="dash"/>
+          </a:ln>
+        </p:spPr>
+        <p:style>
+          <a:lnRef idx="0">
+            <a:scrgbClr r="0" g="0" b="0"/>
+          </a:lnRef>
+          <a:fillRef idx="0">
+            <a:scrgbClr r="0" g="0" b="0"/>
+          </a:fillRef>
+          <a:effectRef idx="0">
+            <a:scrgbClr r="0" g="0" b="0"/>
+          </a:effectRef>
+          <a:fontRef idx="minor">
+            <a:schemeClr val="lt1"/>
+          </a:fontRef>
+        </p:style>
+        <p:txBody>
+          <a:bodyPr vert="horz" rtlCol="0" anchor="t"/>
+          <a:lstStyle/>
+          <a:p>
+            <a:r>
+              <a:rPr kumimoji="1" lang="en-US" altLang="zh-CN" sz="1500" dirty="0">
+                <a:solidFill>
+                  <a:schemeClr val="tx1"/>
+                </a:solidFill>
+              </a:rPr>
+              <a:t>IDC3</a:t>
+            </a:r>
+            <a:endParaRPr kumimoji="1" lang="zh-CN" altLang="en-US" sz="1500" dirty="0">
+              <a:solidFill>
+                <a:schemeClr val="tx1"/>
+              </a:solidFill>
+            </a:endParaRPr>
+          </a:p>
+        </p:txBody>
+      </p:sp>
+      <p:sp>
+        <p:nvSpPr>
+          <p:cNvPr id="28" name="矩形 27">
+            <a:extLst>
+              <a:ext uri="{FF2B5EF4-FFF2-40B4-BE49-F238E27FC236}">
+                <a16:creationId xmlns:a16="http://schemas.microsoft.com/office/drawing/2014/main" id="{3C7836C3-20C7-164D-941F-98867F18EA6D}"/>
+              </a:ext>
+            </a:extLst>
+          </p:cNvPr>
+          <p:cNvSpPr/>
+          <p:nvPr/>
+        </p:nvSpPr>
+        <p:spPr>
+          <a:xfrm>
+            <a:off x="4390423" y="602708"/>
+            <a:ext cx="1343352" cy="1173809"/>
+          </a:xfrm>
+          <a:prstGeom prst="rect">
+            <a:avLst/>
+          </a:prstGeom>
+          <a:noFill/>
+          <a:ln>
+            <a:solidFill>
+              <a:schemeClr val="accent1"/>
+            </a:solidFill>
+          </a:ln>
+        </p:spPr>
+        <p:style>
+          <a:lnRef idx="0">
+            <a:scrgbClr r="0" g="0" b="0"/>
+          </a:lnRef>
+          <a:fillRef idx="0">
+            <a:scrgbClr r="0" g="0" b="0"/>
+          </a:fillRef>
+          <a:effectRef idx="0">
+            <a:scrgbClr r="0" g="0" b="0"/>
+          </a:effectRef>
+          <a:fontRef idx="minor">
+            <a:schemeClr val="lt1"/>
+          </a:fontRef>
+        </p:style>
+        <p:txBody>
+          <a:bodyPr rtlCol="0" anchor="ctr"/>
+          <a:lstStyle/>
+          <a:p>
+            <a:pPr algn="ctr"/>
+            <a:r>
+              <a:rPr kumimoji="1" lang="zh-CN" altLang="en-US" sz="1200" dirty="0">
+                <a:solidFill>
+                  <a:schemeClr val="tx1"/>
+                </a:solidFill>
+              </a:rPr>
+              <a:t>数据中台</a:t>
+            </a:r>
+          </a:p>
+        </p:txBody>
+      </p:sp>
+      <p:sp>
+        <p:nvSpPr>
+          <p:cNvPr id="2" name="折角形 1">
+            <a:extLst>
+              <a:ext uri="{FF2B5EF4-FFF2-40B4-BE49-F238E27FC236}">
+                <a16:creationId xmlns:a16="http://schemas.microsoft.com/office/drawing/2014/main" id="{E0C8D2BD-142C-4048-86C4-436EF02FB5FB}"/>
+              </a:ext>
+            </a:extLst>
+          </p:cNvPr>
+          <p:cNvSpPr/>
+          <p:nvPr/>
+        </p:nvSpPr>
+        <p:spPr>
+          <a:xfrm>
+            <a:off x="701859" y="1398147"/>
+            <a:ext cx="404262" cy="325129"/>
+          </a:xfrm>
+          <a:prstGeom prst="foldedCorner">
+            <a:avLst/>
+          </a:prstGeom>
+        </p:spPr>
+        <p:style>
+          <a:lnRef idx="2">
+            <a:schemeClr val="accent1"/>
+          </a:lnRef>
+          <a:fillRef idx="1">
+            <a:schemeClr val="lt1"/>
+          </a:fillRef>
+          <a:effectRef idx="0">
+            <a:schemeClr val="accent1"/>
+          </a:effectRef>
+          <a:fontRef idx="minor">
+            <a:schemeClr val="dk1"/>
+          </a:fontRef>
+        </p:style>
+        <p:txBody>
+          <a:bodyPr rtlCol="0" anchor="ctr"/>
+          <a:lstStyle/>
+          <a:p>
+            <a:pPr algn="ctr"/>
+            <a:r>
+              <a:rPr kumimoji="1" lang="en-US" altLang="zh-CN" sz="1100" dirty="0"/>
+              <a:t>log</a:t>
+            </a:r>
+            <a:endParaRPr kumimoji="1" lang="zh-CN" altLang="en-US" sz="1100" dirty="0"/>
+          </a:p>
+        </p:txBody>
+      </p:sp>
+      <p:cxnSp>
+        <p:nvCxnSpPr>
+          <p:cNvPr id="4" name="直线箭头连接符 3">
+            <a:extLst>
+              <a:ext uri="{FF2B5EF4-FFF2-40B4-BE49-F238E27FC236}">
+                <a16:creationId xmlns:a16="http://schemas.microsoft.com/office/drawing/2014/main" id="{1A79F1F1-FDF8-4F47-A780-54CE105049A4}"/>
+              </a:ext>
+            </a:extLst>
+          </p:cNvPr>
+          <p:cNvCxnSpPr>
+            <a:cxnSpLocks/>
+            <a:stCxn id="11" idx="3"/>
+            <a:endCxn id="5" idx="3"/>
+          </p:cNvCxnSpPr>
+          <p:nvPr/>
+        </p:nvCxnSpPr>
+        <p:spPr>
+          <a:xfrm>
+            <a:off x="1954742" y="1560710"/>
+            <a:ext cx="442061" cy="1"/>
+          </a:xfrm>
+          <a:prstGeom prst="straightConnector1">
+            <a:avLst/>
+          </a:prstGeom>
+          <a:ln>
+            <a:tailEnd type="triangle"/>
+          </a:ln>
+        </p:spPr>
+        <p:style>
+          <a:lnRef idx="1">
+            <a:schemeClr val="accent1"/>
+          </a:lnRef>
+          <a:fillRef idx="0">
+            <a:schemeClr val="accent1"/>
+          </a:fillRef>
+          <a:effectRef idx="0">
+            <a:schemeClr val="accent1"/>
+          </a:effectRef>
+          <a:fontRef idx="minor">
+            <a:schemeClr val="tx1"/>
+          </a:fontRef>
+        </p:style>
+      </p:cxnSp>
+      <p:sp>
+        <p:nvSpPr>
+          <p:cNvPr id="5" name="圆柱体 4">
+            <a:extLst>
+              <a:ext uri="{FF2B5EF4-FFF2-40B4-BE49-F238E27FC236}">
+                <a16:creationId xmlns:a16="http://schemas.microsoft.com/office/drawing/2014/main" id="{3F5EAD6C-61CF-2E48-B8C6-EE87AB0462B8}"/>
+              </a:ext>
+            </a:extLst>
+          </p:cNvPr>
+          <p:cNvSpPr/>
+          <p:nvPr/>
+        </p:nvSpPr>
+        <p:spPr>
+          <a:xfrm rot="5400000">
+            <a:off x="2461612" y="1268143"/>
+            <a:ext cx="455516" cy="585135"/>
+          </a:xfrm>
+          <a:prstGeom prst="can">
+            <a:avLst/>
+          </a:prstGeom>
+        </p:spPr>
+        <p:style>
+          <a:lnRef idx="2">
+            <a:schemeClr val="accent1">
+              <a:shade val="50000"/>
+            </a:schemeClr>
+          </a:lnRef>
+          <a:fillRef idx="1">
+            <a:schemeClr val="accent1"/>
+          </a:fillRef>
+          <a:effectRef idx="0">
+            <a:schemeClr val="accent1"/>
+          </a:effectRef>
+          <a:fontRef idx="minor">
+            <a:schemeClr val="lt1"/>
+          </a:fontRef>
+        </p:style>
+        <p:txBody>
+          <a:bodyPr vert="vert270" rtlCol="0" anchor="ctr"/>
+          <a:lstStyle/>
+          <a:p>
+            <a:pPr algn="ctr"/>
+            <a:r>
+              <a:rPr kumimoji="1" lang="en-US" altLang="zh-CN" sz="1100" dirty="0"/>
+              <a:t>MQ</a:t>
+            </a:r>
+            <a:endParaRPr kumimoji="1" lang="zh-CN" altLang="en-US" sz="1100" dirty="0"/>
+          </a:p>
+        </p:txBody>
+      </p:sp>
+      <p:cxnSp>
+        <p:nvCxnSpPr>
+          <p:cNvPr id="35" name="直线箭头连接符 34">
+            <a:extLst>
+              <a:ext uri="{FF2B5EF4-FFF2-40B4-BE49-F238E27FC236}">
+                <a16:creationId xmlns:a16="http://schemas.microsoft.com/office/drawing/2014/main" id="{51C1B9D8-1DE3-2B4D-BDFC-F5A5CDCFCAD3}"/>
+              </a:ext>
+            </a:extLst>
+          </p:cNvPr>
+          <p:cNvCxnSpPr>
+            <a:cxnSpLocks/>
+            <a:stCxn id="5" idx="1"/>
+          </p:cNvCxnSpPr>
+          <p:nvPr/>
+        </p:nvCxnSpPr>
+        <p:spPr>
+          <a:xfrm flipV="1">
+            <a:off x="2981938" y="1543486"/>
+            <a:ext cx="1408485" cy="17225"/>
+          </a:xfrm>
+          <a:prstGeom prst="straightConnector1">
+            <a:avLst/>
+          </a:prstGeom>
+          <a:ln>
+            <a:tailEnd type="triangle"/>
+          </a:ln>
+        </p:spPr>
+        <p:style>
+          <a:lnRef idx="1">
+            <a:schemeClr val="accent1"/>
+          </a:lnRef>
+          <a:fillRef idx="0">
+            <a:schemeClr val="accent1"/>
+          </a:fillRef>
+          <a:effectRef idx="0">
+            <a:schemeClr val="accent1"/>
+          </a:effectRef>
+          <a:fontRef idx="minor">
+            <a:schemeClr val="tx1"/>
+          </a:fontRef>
+        </p:style>
+      </p:cxnSp>
+      <p:sp>
+        <p:nvSpPr>
+          <p:cNvPr id="38" name="矩形 37">
+            <a:extLst>
+              <a:ext uri="{FF2B5EF4-FFF2-40B4-BE49-F238E27FC236}">
+                <a16:creationId xmlns:a16="http://schemas.microsoft.com/office/drawing/2014/main" id="{0BC6D2D6-090C-5640-9097-8B68E6928F12}"/>
+              </a:ext>
+            </a:extLst>
+          </p:cNvPr>
+          <p:cNvSpPr/>
+          <p:nvPr/>
+        </p:nvSpPr>
+        <p:spPr>
+          <a:xfrm>
+            <a:off x="6419529" y="151196"/>
+            <a:ext cx="2790533" cy="1777209"/>
+          </a:xfrm>
+          <a:prstGeom prst="rect">
+            <a:avLst/>
+          </a:prstGeom>
+          <a:noFill/>
+          <a:ln>
+            <a:solidFill>
+              <a:schemeClr val="tx1"/>
+            </a:solidFill>
+            <a:prstDash val="dash"/>
+          </a:ln>
+        </p:spPr>
+        <p:style>
+          <a:lnRef idx="0">
+            <a:scrgbClr r="0" g="0" b="0"/>
+          </a:lnRef>
+          <a:fillRef idx="0">
+            <a:scrgbClr r="0" g="0" b="0"/>
+          </a:fillRef>
+          <a:effectRef idx="0">
+            <a:scrgbClr r="0" g="0" b="0"/>
+          </a:effectRef>
+          <a:fontRef idx="minor">
+            <a:schemeClr val="lt1"/>
+          </a:fontRef>
+        </p:style>
+        <p:txBody>
+          <a:bodyPr vert="horz" rtlCol="0" anchor="t"/>
+          <a:lstStyle/>
+          <a:p>
+            <a:r>
+              <a:rPr kumimoji="1" lang="en-US" altLang="zh-CN" sz="1500" dirty="0">
+                <a:solidFill>
+                  <a:schemeClr val="tx1"/>
+                </a:solidFill>
+              </a:rPr>
+              <a:t>IDC1/2</a:t>
+            </a:r>
+            <a:endParaRPr kumimoji="1" lang="zh-CN" altLang="en-US" sz="1500" dirty="0">
+              <a:solidFill>
+                <a:schemeClr val="tx1"/>
+              </a:solidFill>
+            </a:endParaRPr>
+          </a:p>
+        </p:txBody>
+      </p:sp>
+      <p:sp>
+        <p:nvSpPr>
+          <p:cNvPr id="39" name="矩形 38">
+            <a:extLst>
+              <a:ext uri="{FF2B5EF4-FFF2-40B4-BE49-F238E27FC236}">
+                <a16:creationId xmlns:a16="http://schemas.microsoft.com/office/drawing/2014/main" id="{226DE266-7DA6-1843-BE2F-24624ABE87E5}"/>
+              </a:ext>
+            </a:extLst>
+          </p:cNvPr>
+          <p:cNvSpPr/>
+          <p:nvPr/>
+        </p:nvSpPr>
+        <p:spPr>
+          <a:xfrm>
+            <a:off x="6700261" y="593704"/>
+            <a:ext cx="1450611" cy="1173809"/>
+          </a:xfrm>
+          <a:prstGeom prst="rect">
+            <a:avLst/>
+          </a:prstGeom>
+          <a:noFill/>
+          <a:ln>
+            <a:solidFill>
+              <a:schemeClr val="accent1"/>
+            </a:solidFill>
+          </a:ln>
+        </p:spPr>
+        <p:style>
+          <a:lnRef idx="0">
+            <a:scrgbClr r="0" g="0" b="0"/>
+          </a:lnRef>
+          <a:fillRef idx="0">
+            <a:scrgbClr r="0" g="0" b="0"/>
+          </a:fillRef>
+          <a:effectRef idx="0">
+            <a:scrgbClr r="0" g="0" b="0"/>
+          </a:effectRef>
+          <a:fontRef idx="minor">
+            <a:schemeClr val="lt1"/>
+          </a:fontRef>
+        </p:style>
+        <p:txBody>
+          <a:bodyPr rtlCol="0" anchor="ctr"/>
+          <a:lstStyle/>
+          <a:p>
+            <a:pPr algn="ctr"/>
+            <a:r>
+              <a:rPr kumimoji="1" lang="zh-CN" altLang="en-US" sz="1200" dirty="0">
+                <a:solidFill>
+                  <a:schemeClr val="tx1"/>
+                </a:solidFill>
+              </a:rPr>
+              <a:t>业务前</a:t>
+            </a:r>
+            <a:r>
+              <a:rPr kumimoji="1" lang="en-US" altLang="zh-CN" sz="1200" dirty="0">
+                <a:solidFill>
+                  <a:schemeClr val="tx1"/>
+                </a:solidFill>
+              </a:rPr>
+              <a:t>/</a:t>
+            </a:r>
+            <a:r>
+              <a:rPr kumimoji="1" lang="zh-CN" altLang="en-US" sz="1200" dirty="0">
+                <a:solidFill>
+                  <a:schemeClr val="tx1"/>
+                </a:solidFill>
+              </a:rPr>
+              <a:t>中台</a:t>
+            </a:r>
+            <a:r>
+              <a:rPr kumimoji="1" lang="en-US" altLang="zh-CN" sz="1200" dirty="0">
+                <a:solidFill>
+                  <a:schemeClr val="tx1"/>
+                </a:solidFill>
+              </a:rPr>
+              <a:t>/</a:t>
+            </a:r>
+            <a:r>
+              <a:rPr kumimoji="1" lang="zh-CN" altLang="en-US" sz="1200" dirty="0">
+                <a:solidFill>
+                  <a:schemeClr val="tx1"/>
+                </a:solidFill>
+              </a:rPr>
+              <a:t>后台</a:t>
+            </a:r>
+          </a:p>
+        </p:txBody>
+      </p:sp>
+      <p:sp>
+        <p:nvSpPr>
+          <p:cNvPr id="40" name="矩形 39">
+            <a:extLst>
+              <a:ext uri="{FF2B5EF4-FFF2-40B4-BE49-F238E27FC236}">
+                <a16:creationId xmlns:a16="http://schemas.microsoft.com/office/drawing/2014/main" id="{11917B96-3387-AE49-94FD-20C4C8CFBF33}"/>
+              </a:ext>
+            </a:extLst>
+          </p:cNvPr>
+          <p:cNvSpPr/>
+          <p:nvPr/>
+        </p:nvSpPr>
+        <p:spPr>
+          <a:xfrm>
+            <a:off x="9495704" y="132631"/>
+            <a:ext cx="2003166" cy="1777209"/>
+          </a:xfrm>
+          <a:prstGeom prst="rect">
+            <a:avLst/>
+          </a:prstGeom>
+          <a:noFill/>
+          <a:ln>
+            <a:solidFill>
+              <a:schemeClr val="tx1"/>
+            </a:solidFill>
+            <a:prstDash val="dash"/>
+          </a:ln>
+        </p:spPr>
+        <p:style>
+          <a:lnRef idx="0">
+            <a:scrgbClr r="0" g="0" b="0"/>
+          </a:lnRef>
+          <a:fillRef idx="0">
+            <a:scrgbClr r="0" g="0" b="0"/>
+          </a:fillRef>
+          <a:effectRef idx="0">
+            <a:scrgbClr r="0" g="0" b="0"/>
+          </a:effectRef>
+          <a:fontRef idx="minor">
+            <a:schemeClr val="lt1"/>
+          </a:fontRef>
+        </p:style>
+        <p:txBody>
+          <a:bodyPr vert="horz" rtlCol="0" anchor="t"/>
+          <a:lstStyle/>
+          <a:p>
+            <a:r>
+              <a:rPr kumimoji="1" lang="en-US" altLang="zh-CN" sz="1500" dirty="0">
+                <a:solidFill>
+                  <a:schemeClr val="tx1"/>
+                </a:solidFill>
+              </a:rPr>
+              <a:t>IDC3</a:t>
+            </a:r>
+            <a:endParaRPr kumimoji="1" lang="zh-CN" altLang="en-US" sz="1500" dirty="0">
+              <a:solidFill>
+                <a:schemeClr val="tx1"/>
+              </a:solidFill>
+            </a:endParaRPr>
+          </a:p>
+        </p:txBody>
+      </p:sp>
+      <p:sp>
+        <p:nvSpPr>
+          <p:cNvPr id="41" name="矩形 40">
+            <a:extLst>
+              <a:ext uri="{FF2B5EF4-FFF2-40B4-BE49-F238E27FC236}">
+                <a16:creationId xmlns:a16="http://schemas.microsoft.com/office/drawing/2014/main" id="{0B49D09C-FAB1-214D-A405-0499E63A57B2}"/>
+              </a:ext>
+            </a:extLst>
+          </p:cNvPr>
+          <p:cNvSpPr/>
+          <p:nvPr/>
+        </p:nvSpPr>
+        <p:spPr>
+          <a:xfrm>
+            <a:off x="10045647" y="575139"/>
+            <a:ext cx="1343352" cy="1173809"/>
+          </a:xfrm>
+          <a:prstGeom prst="rect">
+            <a:avLst/>
+          </a:prstGeom>
+          <a:noFill/>
+          <a:ln>
+            <a:solidFill>
+              <a:schemeClr val="accent1"/>
+            </a:solidFill>
+          </a:ln>
+        </p:spPr>
+        <p:style>
+          <a:lnRef idx="0">
+            <a:scrgbClr r="0" g="0" b="0"/>
+          </a:lnRef>
+          <a:fillRef idx="0">
+            <a:scrgbClr r="0" g="0" b="0"/>
+          </a:fillRef>
+          <a:effectRef idx="0">
+            <a:scrgbClr r="0" g="0" b="0"/>
+          </a:effectRef>
+          <a:fontRef idx="minor">
+            <a:schemeClr val="lt1"/>
+          </a:fontRef>
+        </p:style>
+        <p:txBody>
+          <a:bodyPr rtlCol="0" anchor="ctr"/>
+          <a:lstStyle/>
+          <a:p>
+            <a:pPr algn="ctr"/>
+            <a:r>
+              <a:rPr kumimoji="1" lang="zh-CN" altLang="en-US" sz="1200" dirty="0">
+                <a:solidFill>
+                  <a:schemeClr val="tx1"/>
+                </a:solidFill>
+              </a:rPr>
+              <a:t>数据中台</a:t>
+            </a:r>
+          </a:p>
+        </p:txBody>
+      </p:sp>
+      <p:cxnSp>
+        <p:nvCxnSpPr>
+          <p:cNvPr id="43" name="直线箭头连接符 42">
+            <a:extLst>
+              <a:ext uri="{FF2B5EF4-FFF2-40B4-BE49-F238E27FC236}">
+                <a16:creationId xmlns:a16="http://schemas.microsoft.com/office/drawing/2014/main" id="{83769ACC-0B65-F04E-B391-4AC29D995CA4}"/>
+              </a:ext>
+            </a:extLst>
+          </p:cNvPr>
+          <p:cNvCxnSpPr>
+            <a:cxnSpLocks/>
+            <a:stCxn id="39" idx="3"/>
+            <a:endCxn id="44" idx="3"/>
+          </p:cNvCxnSpPr>
+          <p:nvPr/>
+        </p:nvCxnSpPr>
+        <p:spPr>
+          <a:xfrm>
+            <a:off x="8150872" y="1180609"/>
+            <a:ext cx="362974" cy="8133"/>
+          </a:xfrm>
+          <a:prstGeom prst="straightConnector1">
+            <a:avLst/>
+          </a:prstGeom>
+          <a:ln>
+            <a:tailEnd type="triangle"/>
+          </a:ln>
+        </p:spPr>
+        <p:style>
+          <a:lnRef idx="1">
+            <a:schemeClr val="accent1"/>
+          </a:lnRef>
+          <a:fillRef idx="0">
+            <a:schemeClr val="accent1"/>
+          </a:fillRef>
+          <a:effectRef idx="0">
+            <a:schemeClr val="accent1"/>
+          </a:effectRef>
+          <a:fontRef idx="minor">
+            <a:schemeClr val="tx1"/>
+          </a:fontRef>
+        </p:style>
+      </p:cxnSp>
+      <p:sp>
+        <p:nvSpPr>
+          <p:cNvPr id="44" name="圆柱体 43">
+            <a:extLst>
+              <a:ext uri="{FF2B5EF4-FFF2-40B4-BE49-F238E27FC236}">
+                <a16:creationId xmlns:a16="http://schemas.microsoft.com/office/drawing/2014/main" id="{682B7AF4-8460-A54C-AC15-1BB10D0A520E}"/>
+              </a:ext>
+            </a:extLst>
+          </p:cNvPr>
+          <p:cNvSpPr/>
+          <p:nvPr/>
+        </p:nvSpPr>
+        <p:spPr>
+          <a:xfrm rot="5400000">
+            <a:off x="8578655" y="896174"/>
+            <a:ext cx="455516" cy="585135"/>
+          </a:xfrm>
+          <a:prstGeom prst="can">
+            <a:avLst/>
+          </a:prstGeom>
+        </p:spPr>
+        <p:style>
+          <a:lnRef idx="2">
+            <a:schemeClr val="accent1">
+              <a:shade val="50000"/>
+            </a:schemeClr>
+          </a:lnRef>
+          <a:fillRef idx="1">
+            <a:schemeClr val="accent1"/>
+          </a:fillRef>
+          <a:effectRef idx="0">
+            <a:schemeClr val="accent1"/>
+          </a:effectRef>
+          <a:fontRef idx="minor">
+            <a:schemeClr val="lt1"/>
+          </a:fontRef>
+        </p:style>
+        <p:txBody>
+          <a:bodyPr vert="vert270" rtlCol="0" anchor="ctr"/>
+          <a:lstStyle/>
+          <a:p>
+            <a:pPr algn="ctr"/>
+            <a:r>
+              <a:rPr kumimoji="1" lang="en-US" altLang="zh-CN" sz="1100" dirty="0"/>
+              <a:t>MQ</a:t>
+            </a:r>
+            <a:endParaRPr kumimoji="1" lang="zh-CN" altLang="en-US" sz="1100" dirty="0"/>
+          </a:p>
+        </p:txBody>
+      </p:sp>
+      <p:cxnSp>
+        <p:nvCxnSpPr>
+          <p:cNvPr id="45" name="直线箭头连接符 44">
+            <a:extLst>
+              <a:ext uri="{FF2B5EF4-FFF2-40B4-BE49-F238E27FC236}">
+                <a16:creationId xmlns:a16="http://schemas.microsoft.com/office/drawing/2014/main" id="{3D139BCC-4DA3-9B4A-A9F0-8A783D5AA67E}"/>
+              </a:ext>
+            </a:extLst>
+          </p:cNvPr>
+          <p:cNvCxnSpPr>
+            <a:cxnSpLocks/>
+            <a:stCxn id="44" idx="1"/>
+            <a:endCxn id="41" idx="1"/>
+          </p:cNvCxnSpPr>
+          <p:nvPr/>
+        </p:nvCxnSpPr>
+        <p:spPr>
+          <a:xfrm flipV="1">
+            <a:off x="9098981" y="1162044"/>
+            <a:ext cx="946666" cy="26698"/>
+          </a:xfrm>
+          <a:prstGeom prst="straightConnector1">
+            <a:avLst/>
+          </a:prstGeom>
+          <a:ln>
+            <a:tailEnd type="triangle"/>
+          </a:ln>
+        </p:spPr>
+        <p:style>
+          <a:lnRef idx="1">
+            <a:schemeClr val="accent1"/>
+          </a:lnRef>
+          <a:fillRef idx="0">
+            <a:schemeClr val="accent1"/>
+          </a:fillRef>
+          <a:effectRef idx="0">
+            <a:schemeClr val="accent1"/>
+          </a:effectRef>
+          <a:fontRef idx="minor">
+            <a:schemeClr val="tx1"/>
+          </a:fontRef>
+        </p:style>
+      </p:cxnSp>
+      <p:sp>
+        <p:nvSpPr>
+          <p:cNvPr id="11" name="矩形 10">
+            <a:extLst>
+              <a:ext uri="{FF2B5EF4-FFF2-40B4-BE49-F238E27FC236}">
+                <a16:creationId xmlns:a16="http://schemas.microsoft.com/office/drawing/2014/main" id="{D2709080-0742-624C-ADF3-84C87C87D0EA}"/>
+              </a:ext>
+            </a:extLst>
+          </p:cNvPr>
+          <p:cNvSpPr/>
+          <p:nvPr/>
+        </p:nvSpPr>
+        <p:spPr>
+          <a:xfrm>
+            <a:off x="1444603" y="1443850"/>
+            <a:ext cx="510139" cy="233720"/>
+          </a:xfrm>
+          <a:prstGeom prst="rect">
+            <a:avLst/>
+          </a:prstGeom>
+          <a:solidFill>
+            <a:schemeClr val="accent1"/>
+          </a:solidFill>
+          <a:ln>
+            <a:noFill/>
+          </a:ln>
+        </p:spPr>
+        <p:style>
+          <a:lnRef idx="0">
+            <a:scrgbClr r="0" g="0" b="0"/>
+          </a:lnRef>
+          <a:fillRef idx="0">
+            <a:scrgbClr r="0" g="0" b="0"/>
+          </a:fillRef>
+          <a:effectRef idx="0">
+            <a:scrgbClr r="0" g="0" b="0"/>
+          </a:effectRef>
+          <a:fontRef idx="minor">
+            <a:schemeClr val="lt1"/>
+          </a:fontRef>
+        </p:style>
+        <p:txBody>
+          <a:bodyPr rtlCol="0" anchor="ctr"/>
+          <a:lstStyle/>
+          <a:p>
+            <a:pPr algn="ctr"/>
+            <a:r>
+              <a:rPr kumimoji="1" lang="en-US" altLang="zh-CN" sz="900" dirty="0"/>
+              <a:t>agent</a:t>
+            </a:r>
+            <a:endParaRPr kumimoji="1" lang="zh-CN" altLang="en-US" sz="900" dirty="0"/>
+          </a:p>
+        </p:txBody>
+      </p:sp>
+      <p:cxnSp>
+        <p:nvCxnSpPr>
+          <p:cNvPr id="15" name="直线箭头连接符 14">
+            <a:extLst>
+              <a:ext uri="{FF2B5EF4-FFF2-40B4-BE49-F238E27FC236}">
+                <a16:creationId xmlns:a16="http://schemas.microsoft.com/office/drawing/2014/main" id="{D1F5CACA-520E-AC40-B190-0163458DC4E6}"/>
+              </a:ext>
+            </a:extLst>
+          </p:cNvPr>
+          <p:cNvCxnSpPr>
+            <a:stCxn id="2" idx="3"/>
+            <a:endCxn id="11" idx="1"/>
+          </p:cNvCxnSpPr>
+          <p:nvPr/>
+        </p:nvCxnSpPr>
+        <p:spPr>
+          <a:xfrm flipV="1">
+            <a:off x="1106121" y="1560710"/>
+            <a:ext cx="338482" cy="2"/>
+          </a:xfrm>
+          <a:prstGeom prst="straightConnector1">
+            <a:avLst/>
+          </a:prstGeom>
+          <a:ln>
+            <a:tailEnd type="triangle"/>
+          </a:ln>
+        </p:spPr>
+        <p:style>
+          <a:lnRef idx="1">
+            <a:schemeClr val="accent1"/>
+          </a:lnRef>
+          <a:fillRef idx="0">
+            <a:schemeClr val="accent1"/>
+          </a:fillRef>
+          <a:effectRef idx="0">
+            <a:schemeClr val="accent1"/>
+          </a:effectRef>
+          <a:fontRef idx="minor">
+            <a:schemeClr val="tx1"/>
+          </a:fontRef>
+        </p:style>
+      </p:cxnSp>
+      <p:sp>
+        <p:nvSpPr>
+          <p:cNvPr id="57" name="矩形 56">
+            <a:extLst>
+              <a:ext uri="{FF2B5EF4-FFF2-40B4-BE49-F238E27FC236}">
+                <a16:creationId xmlns:a16="http://schemas.microsoft.com/office/drawing/2014/main" id="{551778DD-DA8B-8A47-89F3-B85E1AD564B4}"/>
+              </a:ext>
+            </a:extLst>
+          </p:cNvPr>
+          <p:cNvSpPr/>
+          <p:nvPr/>
+        </p:nvSpPr>
+        <p:spPr>
+          <a:xfrm>
+            <a:off x="1637490" y="4257566"/>
+            <a:ext cx="2501373" cy="2062414"/>
+          </a:xfrm>
+          <a:prstGeom prst="rect">
+            <a:avLst/>
+          </a:prstGeom>
+          <a:noFill/>
+          <a:ln>
+            <a:solidFill>
+              <a:schemeClr val="tx1"/>
+            </a:solidFill>
+            <a:prstDash val="dash"/>
+          </a:ln>
+        </p:spPr>
+        <p:style>
+          <a:lnRef idx="0">
+            <a:scrgbClr r="0" g="0" b="0"/>
+          </a:lnRef>
+          <a:fillRef idx="0">
+            <a:scrgbClr r="0" g="0" b="0"/>
+          </a:fillRef>
+          <a:effectRef idx="0">
+            <a:scrgbClr r="0" g="0" b="0"/>
+          </a:effectRef>
+          <a:fontRef idx="minor">
+            <a:schemeClr val="lt1"/>
+          </a:fontRef>
+        </p:style>
+        <p:txBody>
+          <a:bodyPr vert="horz" rtlCol="0" anchor="t"/>
+          <a:lstStyle/>
+          <a:p>
+            <a:r>
+              <a:rPr kumimoji="1" lang="en-US" altLang="zh-CN" sz="1500" dirty="0">
+                <a:solidFill>
+                  <a:schemeClr val="tx1"/>
+                </a:solidFill>
+              </a:rPr>
+              <a:t>IDC1/2</a:t>
+            </a:r>
+            <a:endParaRPr kumimoji="1" lang="zh-CN" altLang="en-US" sz="1500" dirty="0">
+              <a:solidFill>
+                <a:schemeClr val="tx1"/>
+              </a:solidFill>
+            </a:endParaRPr>
+          </a:p>
+        </p:txBody>
+      </p:sp>
+      <p:sp>
+        <p:nvSpPr>
+          <p:cNvPr id="58" name="矩形 57">
+            <a:extLst>
+              <a:ext uri="{FF2B5EF4-FFF2-40B4-BE49-F238E27FC236}">
+                <a16:creationId xmlns:a16="http://schemas.microsoft.com/office/drawing/2014/main" id="{BE86C66A-F0DD-3444-A855-06932BF3F1C2}"/>
+              </a:ext>
+            </a:extLst>
+          </p:cNvPr>
+          <p:cNvSpPr/>
+          <p:nvPr/>
+        </p:nvSpPr>
+        <p:spPr>
+          <a:xfrm>
+            <a:off x="1918222" y="4647264"/>
+            <a:ext cx="2014717" cy="1511824"/>
+          </a:xfrm>
+          <a:prstGeom prst="rect">
+            <a:avLst/>
+          </a:prstGeom>
+          <a:noFill/>
+          <a:ln>
+            <a:solidFill>
+              <a:schemeClr val="accent1"/>
+            </a:solidFill>
+          </a:ln>
+        </p:spPr>
+        <p:style>
+          <a:lnRef idx="0">
+            <a:scrgbClr r="0" g="0" b="0"/>
+          </a:lnRef>
+          <a:fillRef idx="0">
+            <a:scrgbClr r="0" g="0" b="0"/>
+          </a:fillRef>
+          <a:effectRef idx="0">
+            <a:scrgbClr r="0" g="0" b="0"/>
+          </a:effectRef>
+          <a:fontRef idx="minor">
+            <a:schemeClr val="lt1"/>
+          </a:fontRef>
+        </p:style>
+        <p:txBody>
+          <a:bodyPr rtlCol="0" anchor="t"/>
+          <a:lstStyle/>
+          <a:p>
+            <a:pPr algn="ctr"/>
+            <a:r>
+              <a:rPr kumimoji="1" lang="zh-CN" altLang="en-US" sz="1200" dirty="0">
+                <a:solidFill>
+                  <a:schemeClr val="tx1"/>
+                </a:solidFill>
+              </a:rPr>
+              <a:t>业务前</a:t>
+            </a:r>
+            <a:r>
+              <a:rPr kumimoji="1" lang="en-US" altLang="zh-CN" sz="1200" dirty="0">
+                <a:solidFill>
+                  <a:schemeClr val="tx1"/>
+                </a:solidFill>
+              </a:rPr>
+              <a:t>/</a:t>
+            </a:r>
+            <a:r>
+              <a:rPr kumimoji="1" lang="zh-CN" altLang="en-US" sz="1200" dirty="0">
+                <a:solidFill>
+                  <a:schemeClr val="tx1"/>
+                </a:solidFill>
+              </a:rPr>
+              <a:t>中台</a:t>
+            </a:r>
+            <a:r>
+              <a:rPr kumimoji="1" lang="en-US" altLang="zh-CN" sz="1200" dirty="0">
+                <a:solidFill>
+                  <a:schemeClr val="tx1"/>
+                </a:solidFill>
+              </a:rPr>
+              <a:t>/</a:t>
+            </a:r>
+            <a:r>
+              <a:rPr kumimoji="1" lang="zh-CN" altLang="en-US" sz="1200" dirty="0">
+                <a:solidFill>
+                  <a:schemeClr val="tx1"/>
+                </a:solidFill>
+              </a:rPr>
+              <a:t>后台</a:t>
+            </a:r>
+          </a:p>
+        </p:txBody>
+      </p:sp>
+      <p:sp>
+        <p:nvSpPr>
+          <p:cNvPr id="59" name="矩形 58">
+            <a:extLst>
+              <a:ext uri="{FF2B5EF4-FFF2-40B4-BE49-F238E27FC236}">
+                <a16:creationId xmlns:a16="http://schemas.microsoft.com/office/drawing/2014/main" id="{9B2D243D-81C4-DE41-823D-B05EAA03AF16}"/>
+              </a:ext>
+            </a:extLst>
+          </p:cNvPr>
+          <p:cNvSpPr/>
+          <p:nvPr/>
+        </p:nvSpPr>
+        <p:spPr>
+          <a:xfrm>
+            <a:off x="4915601" y="4257566"/>
+            <a:ext cx="2256269" cy="2062414"/>
+          </a:xfrm>
+          <a:prstGeom prst="rect">
+            <a:avLst/>
+          </a:prstGeom>
+          <a:noFill/>
+          <a:ln>
+            <a:solidFill>
+              <a:schemeClr val="tx1"/>
+            </a:solidFill>
+            <a:prstDash val="dash"/>
+          </a:ln>
+        </p:spPr>
+        <p:style>
+          <a:lnRef idx="0">
+            <a:scrgbClr r="0" g="0" b="0"/>
+          </a:lnRef>
+          <a:fillRef idx="0">
+            <a:scrgbClr r="0" g="0" b="0"/>
+          </a:fillRef>
+          <a:effectRef idx="0">
+            <a:scrgbClr r="0" g="0" b="0"/>
+          </a:effectRef>
+          <a:fontRef idx="minor">
+            <a:schemeClr val="lt1"/>
+          </a:fontRef>
+        </p:style>
+        <p:txBody>
+          <a:bodyPr vert="horz" rtlCol="0" anchor="t"/>
+          <a:lstStyle/>
+          <a:p>
+            <a:r>
+              <a:rPr kumimoji="1" lang="en-US" altLang="zh-CN" sz="1500" dirty="0">
+                <a:solidFill>
+                  <a:schemeClr val="tx1"/>
+                </a:solidFill>
+              </a:rPr>
+              <a:t>IDC3</a:t>
+            </a:r>
+            <a:endParaRPr kumimoji="1" lang="zh-CN" altLang="en-US" sz="1500" dirty="0">
+              <a:solidFill>
+                <a:schemeClr val="tx1"/>
+              </a:solidFill>
+            </a:endParaRPr>
+          </a:p>
+        </p:txBody>
+      </p:sp>
+      <p:sp>
+        <p:nvSpPr>
+          <p:cNvPr id="60" name="矩形 59">
+            <a:extLst>
+              <a:ext uri="{FF2B5EF4-FFF2-40B4-BE49-F238E27FC236}">
+                <a16:creationId xmlns:a16="http://schemas.microsoft.com/office/drawing/2014/main" id="{97B4E7B9-A2E3-FC49-A194-58A5E8390B90}"/>
+              </a:ext>
+            </a:extLst>
+          </p:cNvPr>
+          <p:cNvSpPr/>
+          <p:nvPr/>
+        </p:nvSpPr>
+        <p:spPr>
+          <a:xfrm>
+            <a:off x="5465545" y="4655396"/>
+            <a:ext cx="1343352" cy="1503692"/>
+          </a:xfrm>
+          <a:prstGeom prst="rect">
+            <a:avLst/>
+          </a:prstGeom>
+          <a:noFill/>
+          <a:ln>
+            <a:solidFill>
+              <a:schemeClr val="accent1"/>
+            </a:solidFill>
+          </a:ln>
+        </p:spPr>
+        <p:style>
+          <a:lnRef idx="0">
+            <a:scrgbClr r="0" g="0" b="0"/>
+          </a:lnRef>
+          <a:fillRef idx="0">
+            <a:scrgbClr r="0" g="0" b="0"/>
+          </a:fillRef>
+          <a:effectRef idx="0">
+            <a:scrgbClr r="0" g="0" b="0"/>
+          </a:effectRef>
+          <a:fontRef idx="minor">
+            <a:schemeClr val="lt1"/>
+          </a:fontRef>
+        </p:style>
+        <p:txBody>
+          <a:bodyPr rtlCol="0" anchor="t"/>
+          <a:lstStyle/>
+          <a:p>
+            <a:pPr algn="ctr"/>
+            <a:r>
+              <a:rPr kumimoji="1" lang="zh-CN" altLang="en-US" sz="1200" dirty="0">
+                <a:solidFill>
+                  <a:schemeClr val="tx1"/>
+                </a:solidFill>
+              </a:rPr>
+              <a:t>数据中台</a:t>
+            </a:r>
+          </a:p>
+        </p:txBody>
+      </p:sp>
+      <p:cxnSp>
+        <p:nvCxnSpPr>
+          <p:cNvPr id="63" name="直线箭头连接符 62">
+            <a:extLst>
+              <a:ext uri="{FF2B5EF4-FFF2-40B4-BE49-F238E27FC236}">
+                <a16:creationId xmlns:a16="http://schemas.microsoft.com/office/drawing/2014/main" id="{023D92C6-71FC-5141-836B-6FB6DD6B72F3}"/>
+              </a:ext>
+            </a:extLst>
+          </p:cNvPr>
+          <p:cNvCxnSpPr>
+            <a:cxnSpLocks/>
+            <a:stCxn id="65" idx="3"/>
+            <a:endCxn id="67" idx="2"/>
+          </p:cNvCxnSpPr>
+          <p:nvPr/>
+        </p:nvCxnSpPr>
+        <p:spPr>
+          <a:xfrm>
+            <a:off x="3746701" y="5809194"/>
+            <a:ext cx="2079035" cy="0"/>
+          </a:xfrm>
+          <a:prstGeom prst="straightConnector1">
+            <a:avLst/>
+          </a:prstGeom>
+          <a:ln>
+            <a:solidFill>
+              <a:schemeClr val="tx1"/>
+            </a:solidFill>
+            <a:tailEnd type="triangle"/>
+          </a:ln>
+        </p:spPr>
+        <p:style>
+          <a:lnRef idx="1">
+            <a:schemeClr val="accent1"/>
+          </a:lnRef>
+          <a:fillRef idx="0">
+            <a:schemeClr val="accent1"/>
+          </a:fillRef>
+          <a:effectRef idx="0">
+            <a:schemeClr val="accent1"/>
+          </a:effectRef>
+          <a:fontRef idx="minor">
+            <a:schemeClr val="tx1"/>
+          </a:fontRef>
+        </p:style>
+      </p:cxnSp>
+      <p:sp>
+        <p:nvSpPr>
+          <p:cNvPr id="64" name="圆柱体 63">
+            <a:extLst>
+              <a:ext uri="{FF2B5EF4-FFF2-40B4-BE49-F238E27FC236}">
+                <a16:creationId xmlns:a16="http://schemas.microsoft.com/office/drawing/2014/main" id="{73BA3C36-19FA-8444-ABAC-0BDE8AD15C23}"/>
+              </a:ext>
+            </a:extLst>
+          </p:cNvPr>
+          <p:cNvSpPr/>
+          <p:nvPr/>
+        </p:nvSpPr>
+        <p:spPr>
+          <a:xfrm>
+            <a:off x="2101839" y="5610708"/>
+            <a:ext cx="765477" cy="396973"/>
+          </a:xfrm>
+          <a:prstGeom prst="can">
+            <a:avLst/>
+          </a:prstGeom>
+        </p:spPr>
+        <p:style>
+          <a:lnRef idx="2">
+            <a:schemeClr val="accent1">
+              <a:shade val="50000"/>
+            </a:schemeClr>
+          </a:lnRef>
+          <a:fillRef idx="1">
+            <a:schemeClr val="accent1"/>
+          </a:fillRef>
+          <a:effectRef idx="0">
+            <a:schemeClr val="accent1"/>
+          </a:effectRef>
+          <a:fontRef idx="minor">
+            <a:schemeClr val="lt1"/>
+          </a:fontRef>
+        </p:style>
+        <p:txBody>
+          <a:bodyPr rtlCol="0" anchor="ctr"/>
+          <a:lstStyle/>
+          <a:p>
+            <a:pPr algn="ctr"/>
+            <a:r>
+              <a:rPr kumimoji="1" lang="zh-CN" altLang="en-US" sz="1100" dirty="0"/>
+              <a:t>数据库</a:t>
+            </a:r>
+          </a:p>
+        </p:txBody>
+      </p:sp>
+      <p:sp>
+        <p:nvSpPr>
+          <p:cNvPr id="65" name="折角形 64">
+            <a:extLst>
+              <a:ext uri="{FF2B5EF4-FFF2-40B4-BE49-F238E27FC236}">
+                <a16:creationId xmlns:a16="http://schemas.microsoft.com/office/drawing/2014/main" id="{813362B9-C677-F94D-9DD7-C3B563F2DE53}"/>
+              </a:ext>
+            </a:extLst>
+          </p:cNvPr>
+          <p:cNvSpPr/>
+          <p:nvPr/>
+        </p:nvSpPr>
+        <p:spPr>
+          <a:xfrm>
+            <a:off x="3342439" y="5646629"/>
+            <a:ext cx="404262" cy="325129"/>
+          </a:xfrm>
+          <a:prstGeom prst="foldedCorner">
+            <a:avLst/>
+          </a:prstGeom>
+        </p:spPr>
+        <p:style>
+          <a:lnRef idx="2">
+            <a:schemeClr val="accent1"/>
+          </a:lnRef>
+          <a:fillRef idx="1">
+            <a:schemeClr val="lt1"/>
+          </a:fillRef>
+          <a:effectRef idx="0">
+            <a:schemeClr val="accent1"/>
+          </a:effectRef>
+          <a:fontRef idx="minor">
+            <a:schemeClr val="dk1"/>
+          </a:fontRef>
+        </p:style>
+        <p:txBody>
+          <a:bodyPr rtlCol="0" anchor="ctr"/>
+          <a:lstStyle/>
+          <a:p>
+            <a:pPr algn="ctr"/>
+            <a:r>
+              <a:rPr kumimoji="1" lang="en-US" altLang="zh-CN" sz="1100" dirty="0"/>
+              <a:t>file</a:t>
+            </a:r>
+            <a:endParaRPr kumimoji="1" lang="zh-CN" altLang="en-US" sz="1100" dirty="0"/>
+          </a:p>
+        </p:txBody>
+      </p:sp>
+      <p:sp>
+        <p:nvSpPr>
+          <p:cNvPr id="67" name="圆柱体 66">
+            <a:extLst>
+              <a:ext uri="{FF2B5EF4-FFF2-40B4-BE49-F238E27FC236}">
+                <a16:creationId xmlns:a16="http://schemas.microsoft.com/office/drawing/2014/main" id="{C9166610-9521-DB41-836E-2DA885112ED9}"/>
+              </a:ext>
+            </a:extLst>
+          </p:cNvPr>
+          <p:cNvSpPr/>
+          <p:nvPr/>
+        </p:nvSpPr>
+        <p:spPr>
+          <a:xfrm>
+            <a:off x="5825736" y="5610708"/>
+            <a:ext cx="786820" cy="396971"/>
+          </a:xfrm>
+          <a:prstGeom prst="can">
+            <a:avLst/>
+          </a:prstGeom>
+        </p:spPr>
+        <p:style>
+          <a:lnRef idx="2">
+            <a:schemeClr val="accent1">
+              <a:shade val="50000"/>
+            </a:schemeClr>
+          </a:lnRef>
+          <a:fillRef idx="1">
+            <a:schemeClr val="accent1"/>
+          </a:fillRef>
+          <a:effectRef idx="0">
+            <a:schemeClr val="accent1"/>
+          </a:effectRef>
+          <a:fontRef idx="minor">
+            <a:schemeClr val="lt1"/>
+          </a:fontRef>
+        </p:style>
+        <p:txBody>
+          <a:bodyPr rtlCol="0" anchor="ctr"/>
+          <a:lstStyle/>
+          <a:p>
+            <a:pPr algn="ctr"/>
+            <a:r>
+              <a:rPr kumimoji="1" lang="zh-CN" altLang="en-US" sz="1100" dirty="0"/>
+              <a:t>数据库</a:t>
+            </a:r>
+          </a:p>
+        </p:txBody>
+      </p:sp>
+      <p:cxnSp>
+        <p:nvCxnSpPr>
+          <p:cNvPr id="69" name="直线箭头连接符 68">
+            <a:extLst>
+              <a:ext uri="{FF2B5EF4-FFF2-40B4-BE49-F238E27FC236}">
+                <a16:creationId xmlns:a16="http://schemas.microsoft.com/office/drawing/2014/main" id="{D290859C-8412-3A41-86FE-0932A070E6EC}"/>
+              </a:ext>
+            </a:extLst>
+          </p:cNvPr>
+          <p:cNvCxnSpPr>
+            <a:cxnSpLocks/>
+            <a:stCxn id="64" idx="4"/>
+          </p:cNvCxnSpPr>
+          <p:nvPr/>
+        </p:nvCxnSpPr>
+        <p:spPr>
+          <a:xfrm flipV="1">
+            <a:off x="2867316" y="5809193"/>
+            <a:ext cx="435172" cy="2"/>
+          </a:xfrm>
+          <a:prstGeom prst="straightConnector1">
+            <a:avLst/>
+          </a:prstGeom>
+          <a:ln>
+            <a:solidFill>
+              <a:schemeClr val="tx1"/>
+            </a:solidFill>
+            <a:tailEnd type="triangle"/>
+          </a:ln>
+        </p:spPr>
+        <p:style>
+          <a:lnRef idx="1">
+            <a:schemeClr val="accent1"/>
+          </a:lnRef>
+          <a:fillRef idx="0">
+            <a:schemeClr val="accent1"/>
+          </a:fillRef>
+          <a:effectRef idx="0">
+            <a:schemeClr val="accent1"/>
+          </a:effectRef>
+          <a:fontRef idx="minor">
+            <a:schemeClr val="tx1"/>
+          </a:fontRef>
+        </p:style>
+      </p:cxnSp>
+      <p:sp>
+        <p:nvSpPr>
+          <p:cNvPr id="71" name="矩形 70">
+            <a:extLst>
+              <a:ext uri="{FF2B5EF4-FFF2-40B4-BE49-F238E27FC236}">
+                <a16:creationId xmlns:a16="http://schemas.microsoft.com/office/drawing/2014/main" id="{853DEC30-E07E-DC4F-A9D9-16382752B2A1}"/>
+              </a:ext>
+            </a:extLst>
+          </p:cNvPr>
+          <p:cNvSpPr/>
+          <p:nvPr/>
+        </p:nvSpPr>
+        <p:spPr>
+          <a:xfrm>
+            <a:off x="2393834" y="5001972"/>
+            <a:ext cx="1113938" cy="396973"/>
+          </a:xfrm>
+          <a:prstGeom prst="rect">
+            <a:avLst/>
+          </a:prstGeom>
+          <a:noFill/>
+          <a:ln>
+            <a:solidFill>
+              <a:schemeClr val="accent1"/>
+            </a:solidFill>
+          </a:ln>
+        </p:spPr>
+        <p:style>
+          <a:lnRef idx="0">
+            <a:scrgbClr r="0" g="0" b="0"/>
+          </a:lnRef>
+          <a:fillRef idx="0">
+            <a:scrgbClr r="0" g="0" b="0"/>
+          </a:fillRef>
+          <a:effectRef idx="0">
+            <a:scrgbClr r="0" g="0" b="0"/>
+          </a:effectRef>
+          <a:fontRef idx="minor">
+            <a:schemeClr val="lt1"/>
+          </a:fontRef>
+        </p:style>
+        <p:txBody>
+          <a:bodyPr rtlCol="0" anchor="ctr"/>
+          <a:lstStyle/>
+          <a:p>
+            <a:pPr algn="ctr"/>
+            <a:r>
+              <a:rPr kumimoji="1" lang="zh-CN" altLang="en-US" sz="1200" dirty="0">
+                <a:solidFill>
+                  <a:schemeClr val="tx1"/>
+                </a:solidFill>
+              </a:rPr>
+              <a:t>数据同步服务</a:t>
+            </a:r>
+          </a:p>
+        </p:txBody>
+      </p:sp>
+      <p:cxnSp>
+        <p:nvCxnSpPr>
+          <p:cNvPr id="25" name="直线箭头连接符 24">
+            <a:extLst>
+              <a:ext uri="{FF2B5EF4-FFF2-40B4-BE49-F238E27FC236}">
+                <a16:creationId xmlns:a16="http://schemas.microsoft.com/office/drawing/2014/main" id="{6C72DFFB-0C20-964B-85DF-6D60A739B920}"/>
+              </a:ext>
+            </a:extLst>
+          </p:cNvPr>
+          <p:cNvCxnSpPr>
+            <a:cxnSpLocks/>
+          </p:cNvCxnSpPr>
+          <p:nvPr/>
+        </p:nvCxnSpPr>
+        <p:spPr>
+          <a:xfrm>
+            <a:off x="3075823" y="5407242"/>
+            <a:ext cx="9079" cy="401950"/>
+          </a:xfrm>
+          <a:prstGeom prst="straightConnector1">
+            <a:avLst/>
+          </a:prstGeom>
+          <a:ln>
+            <a:tailEnd type="triangle"/>
+          </a:ln>
+        </p:spPr>
+        <p:style>
+          <a:lnRef idx="1">
+            <a:schemeClr val="accent1"/>
+          </a:lnRef>
+          <a:fillRef idx="0">
+            <a:schemeClr val="accent1"/>
+          </a:fillRef>
+          <a:effectRef idx="0">
+            <a:schemeClr val="accent1"/>
+          </a:effectRef>
+          <a:fontRef idx="minor">
+            <a:schemeClr val="tx1"/>
+          </a:fontRef>
+        </p:style>
+      </p:cxnSp>
+      <p:cxnSp>
+        <p:nvCxnSpPr>
+          <p:cNvPr id="36" name="直线箭头连接符 35">
+            <a:extLst>
+              <a:ext uri="{FF2B5EF4-FFF2-40B4-BE49-F238E27FC236}">
+                <a16:creationId xmlns:a16="http://schemas.microsoft.com/office/drawing/2014/main" id="{23F245E9-2031-C347-AA07-6351D109E2E6}"/>
+              </a:ext>
+            </a:extLst>
+          </p:cNvPr>
+          <p:cNvCxnSpPr/>
+          <p:nvPr/>
+        </p:nvCxnSpPr>
+        <p:spPr>
+          <a:xfrm>
+            <a:off x="3084902" y="5398945"/>
+            <a:ext cx="1830699" cy="410247"/>
+          </a:xfrm>
+          <a:prstGeom prst="straightConnector1">
+            <a:avLst/>
+          </a:prstGeom>
+          <a:ln>
+            <a:tailEnd type="triangle"/>
+          </a:ln>
+        </p:spPr>
+        <p:style>
+          <a:lnRef idx="1">
+            <a:schemeClr val="accent1"/>
+          </a:lnRef>
+          <a:fillRef idx="0">
+            <a:schemeClr val="accent1"/>
+          </a:fillRef>
+          <a:effectRef idx="0">
+            <a:schemeClr val="accent1"/>
+          </a:effectRef>
+          <a:fontRef idx="minor">
+            <a:schemeClr val="tx1"/>
+          </a:fontRef>
+        </p:style>
+      </p:cxnSp>
+      <p:sp>
+        <p:nvSpPr>
+          <p:cNvPr id="50" name="矩形 49">
+            <a:extLst>
+              <a:ext uri="{FF2B5EF4-FFF2-40B4-BE49-F238E27FC236}">
+                <a16:creationId xmlns:a16="http://schemas.microsoft.com/office/drawing/2014/main" id="{3184DDB8-2F32-E849-BC85-E123E8E1ED83}"/>
+              </a:ext>
+            </a:extLst>
+          </p:cNvPr>
+          <p:cNvSpPr/>
+          <p:nvPr/>
+        </p:nvSpPr>
+        <p:spPr>
+          <a:xfrm>
+            <a:off x="2461559" y="2106338"/>
+            <a:ext cx="1031051" cy="261610"/>
+          </a:xfrm>
+          <a:prstGeom prst="rect">
+            <a:avLst/>
+          </a:prstGeom>
+        </p:spPr>
+        <p:txBody>
+          <a:bodyPr wrap="none">
+            <a:spAutoFit/>
+          </a:bodyPr>
+          <a:lstStyle/>
+          <a:p>
+            <a:pPr algn="ctr"/>
+            <a:r>
+              <a:rPr kumimoji="1" lang="zh-CN" altLang="en-US" sz="1100" dirty="0"/>
+              <a:t>日志采集方案</a:t>
+            </a:r>
+          </a:p>
+        </p:txBody>
+      </p:sp>
+      <p:sp>
+        <p:nvSpPr>
+          <p:cNvPr id="87" name="矩形 86">
+            <a:extLst>
+              <a:ext uri="{FF2B5EF4-FFF2-40B4-BE49-F238E27FC236}">
+                <a16:creationId xmlns:a16="http://schemas.microsoft.com/office/drawing/2014/main" id="{3C544526-0DDC-3444-A0C5-EC208BE251FD}"/>
+              </a:ext>
+            </a:extLst>
+          </p:cNvPr>
+          <p:cNvSpPr/>
+          <p:nvPr/>
+        </p:nvSpPr>
+        <p:spPr>
+          <a:xfrm>
+            <a:off x="8447879" y="2077703"/>
+            <a:ext cx="1031051" cy="261610"/>
+          </a:xfrm>
+          <a:prstGeom prst="rect">
+            <a:avLst/>
+          </a:prstGeom>
+        </p:spPr>
+        <p:txBody>
+          <a:bodyPr wrap="none">
+            <a:spAutoFit/>
+          </a:bodyPr>
+          <a:lstStyle/>
+          <a:p>
+            <a:pPr algn="ctr"/>
+            <a:r>
+              <a:rPr kumimoji="1" lang="zh-CN" altLang="en-US" sz="1100" dirty="0"/>
+              <a:t>消息同步方案</a:t>
+            </a:r>
+          </a:p>
+        </p:txBody>
+      </p:sp>
+    </p:spTree>
+    <p:extLst>
+      <p:ext uri="{BB962C8B-B14F-4D97-AF65-F5344CB8AC3E}">
+        <p14:creationId xmlns:p14="http://schemas.microsoft.com/office/powerpoint/2010/main" val="1045863939"/>
       </p:ext>
     </p:extLst>
   </p:cSld>

--- a/chart.pptx
+++ b/chart.pptx
@@ -206,7 +206,7 @@
           <a:p>
             <a:fld id="{7CBA950C-7972-D043-B720-0DD94B641F1E}" type="datetimeFigureOut">
               <a:rPr kumimoji="1" lang="zh-CN" altLang="en-US" smtClean="0"/>
-              <a:t>2019/11/1</a:t>
+              <a:t>2019/12/5</a:t>
             </a:fld>
             <a:endParaRPr kumimoji="1" lang="zh-CN" altLang="en-US"/>
           </a:p>
@@ -1338,7 +1338,7 @@
           <a:p>
             <a:fld id="{71948C19-5236-8645-9043-99CB94F0DEFF}" type="datetimeFigureOut">
               <a:rPr kumimoji="1" lang="zh-CN" altLang="en-US" smtClean="0"/>
-              <a:t>2019/11/1</a:t>
+              <a:t>2019/12/5</a:t>
             </a:fld>
             <a:endParaRPr kumimoji="1" lang="zh-CN" altLang="en-US"/>
           </a:p>
@@ -1536,7 +1536,7 @@
           <a:p>
             <a:fld id="{71948C19-5236-8645-9043-99CB94F0DEFF}" type="datetimeFigureOut">
               <a:rPr kumimoji="1" lang="zh-CN" altLang="en-US" smtClean="0"/>
-              <a:t>2019/11/1</a:t>
+              <a:t>2019/12/5</a:t>
             </a:fld>
             <a:endParaRPr kumimoji="1" lang="zh-CN" altLang="en-US"/>
           </a:p>
@@ -1744,7 +1744,7 @@
           <a:p>
             <a:fld id="{71948C19-5236-8645-9043-99CB94F0DEFF}" type="datetimeFigureOut">
               <a:rPr kumimoji="1" lang="zh-CN" altLang="en-US" smtClean="0"/>
-              <a:t>2019/11/1</a:t>
+              <a:t>2019/12/5</a:t>
             </a:fld>
             <a:endParaRPr kumimoji="1" lang="zh-CN" altLang="en-US"/>
           </a:p>
@@ -1942,7 +1942,7 @@
           <a:p>
             <a:fld id="{71948C19-5236-8645-9043-99CB94F0DEFF}" type="datetimeFigureOut">
               <a:rPr kumimoji="1" lang="zh-CN" altLang="en-US" smtClean="0"/>
-              <a:t>2019/11/1</a:t>
+              <a:t>2019/12/5</a:t>
             </a:fld>
             <a:endParaRPr kumimoji="1" lang="zh-CN" altLang="en-US"/>
           </a:p>
@@ -2217,7 +2217,7 @@
           <a:p>
             <a:fld id="{71948C19-5236-8645-9043-99CB94F0DEFF}" type="datetimeFigureOut">
               <a:rPr kumimoji="1" lang="zh-CN" altLang="en-US" smtClean="0"/>
-              <a:t>2019/11/1</a:t>
+              <a:t>2019/12/5</a:t>
             </a:fld>
             <a:endParaRPr kumimoji="1" lang="zh-CN" altLang="en-US"/>
           </a:p>
@@ -2482,7 +2482,7 @@
           <a:p>
             <a:fld id="{71948C19-5236-8645-9043-99CB94F0DEFF}" type="datetimeFigureOut">
               <a:rPr kumimoji="1" lang="zh-CN" altLang="en-US" smtClean="0"/>
-              <a:t>2019/11/1</a:t>
+              <a:t>2019/12/5</a:t>
             </a:fld>
             <a:endParaRPr kumimoji="1" lang="zh-CN" altLang="en-US"/>
           </a:p>
@@ -2894,7 +2894,7 @@
           <a:p>
             <a:fld id="{71948C19-5236-8645-9043-99CB94F0DEFF}" type="datetimeFigureOut">
               <a:rPr kumimoji="1" lang="zh-CN" altLang="en-US" smtClean="0"/>
-              <a:t>2019/11/1</a:t>
+              <a:t>2019/12/5</a:t>
             </a:fld>
             <a:endParaRPr kumimoji="1" lang="zh-CN" altLang="en-US"/>
           </a:p>
@@ -3035,7 +3035,7 @@
           <a:p>
             <a:fld id="{71948C19-5236-8645-9043-99CB94F0DEFF}" type="datetimeFigureOut">
               <a:rPr kumimoji="1" lang="zh-CN" altLang="en-US" smtClean="0"/>
-              <a:t>2019/11/1</a:t>
+              <a:t>2019/12/5</a:t>
             </a:fld>
             <a:endParaRPr kumimoji="1" lang="zh-CN" altLang="en-US"/>
           </a:p>
@@ -3148,7 +3148,7 @@
           <a:p>
             <a:fld id="{71948C19-5236-8645-9043-99CB94F0DEFF}" type="datetimeFigureOut">
               <a:rPr kumimoji="1" lang="zh-CN" altLang="en-US" smtClean="0"/>
-              <a:t>2019/11/1</a:t>
+              <a:t>2019/12/5</a:t>
             </a:fld>
             <a:endParaRPr kumimoji="1" lang="zh-CN" altLang="en-US"/>
           </a:p>
@@ -3459,7 +3459,7 @@
           <a:p>
             <a:fld id="{71948C19-5236-8645-9043-99CB94F0DEFF}" type="datetimeFigureOut">
               <a:rPr kumimoji="1" lang="zh-CN" altLang="en-US" smtClean="0"/>
-              <a:t>2019/11/1</a:t>
+              <a:t>2019/12/5</a:t>
             </a:fld>
             <a:endParaRPr kumimoji="1" lang="zh-CN" altLang="en-US"/>
           </a:p>
@@ -3747,7 +3747,7 @@
           <a:p>
             <a:fld id="{71948C19-5236-8645-9043-99CB94F0DEFF}" type="datetimeFigureOut">
               <a:rPr kumimoji="1" lang="zh-CN" altLang="en-US" smtClean="0"/>
-              <a:t>2019/11/1</a:t>
+              <a:t>2019/12/5</a:t>
             </a:fld>
             <a:endParaRPr kumimoji="1" lang="zh-CN" altLang="en-US"/>
           </a:p>
@@ -3988,7 +3988,7 @@
           <a:p>
             <a:fld id="{71948C19-5236-8645-9043-99CB94F0DEFF}" type="datetimeFigureOut">
               <a:rPr kumimoji="1" lang="zh-CN" altLang="en-US" smtClean="0"/>
-              <a:t>2019/11/1</a:t>
+              <a:t>2019/12/5</a:t>
             </a:fld>
             <a:endParaRPr kumimoji="1" lang="zh-CN" altLang="en-US"/>
           </a:p>
@@ -5323,14 +5323,11 @@
           <a:lstStyle/>
           <a:p>
             <a:pPr algn="ctr"/>
-            <a:r>
-              <a:rPr kumimoji="1" lang="zh-CN" altLang="en-US" dirty="0">
-                <a:solidFill>
-                  <a:schemeClr val="tx1"/>
-                </a:solidFill>
-              </a:rPr>
-              <a:t>后台</a:t>
-            </a:r>
+            <a:endParaRPr kumimoji="1" lang="zh-CN" altLang="en-US" dirty="0">
+              <a:solidFill>
+                <a:schemeClr val="tx1"/>
+              </a:solidFill>
+            </a:endParaRPr>
           </a:p>
         </p:txBody>
       </p:sp>
@@ -5348,8 +5345,8 @@
         </p:nvSpPr>
         <p:spPr>
           <a:xfrm>
-            <a:off x="2075388" y="4906556"/>
-            <a:ext cx="1140432" cy="444356"/>
+            <a:off x="2144313" y="4902624"/>
+            <a:ext cx="1004696" cy="444356"/>
           </a:xfrm>
           <a:prstGeom prst="rect">
             <a:avLst/>
@@ -5401,7 +5398,7 @@
         </p:nvSpPr>
         <p:spPr>
           <a:xfrm>
-            <a:off x="3428577" y="4906556"/>
+            <a:off x="3359711" y="4906556"/>
             <a:ext cx="1140432" cy="444356"/>
           </a:xfrm>
           <a:prstGeom prst="rect">
@@ -5454,7 +5451,7 @@
         </p:nvSpPr>
         <p:spPr>
           <a:xfrm>
-            <a:off x="4781766" y="4906556"/>
+            <a:off x="4710845" y="4906556"/>
             <a:ext cx="1140432" cy="444356"/>
           </a:xfrm>
           <a:prstGeom prst="rect">
@@ -5613,7 +5610,7 @@
         </p:nvSpPr>
         <p:spPr>
           <a:xfrm>
-            <a:off x="6134955" y="4906556"/>
+            <a:off x="6061979" y="4906556"/>
             <a:ext cx="1140432" cy="444356"/>
           </a:xfrm>
           <a:prstGeom prst="rect">
@@ -5852,8 +5849,8 @@
         </p:nvSpPr>
         <p:spPr>
           <a:xfrm>
-            <a:off x="7488145" y="4906556"/>
-            <a:ext cx="1140432" cy="444356"/>
+            <a:off x="7413113" y="4906556"/>
+            <a:ext cx="936670" cy="444356"/>
           </a:xfrm>
           <a:prstGeom prst="rect">
             <a:avLst/>
@@ -5885,8 +5882,12 @@
           <a:p>
             <a:pPr algn="ctr"/>
             <a:r>
+              <a:rPr kumimoji="1" lang="zh-CN" altLang="en-US" sz="1600" dirty="0"/>
+              <a:t>统一</a:t>
+            </a:r>
+            <a:r>
               <a:rPr kumimoji="1" lang="en-US" altLang="zh-CN" sz="1600" dirty="0"/>
-              <a:t>…</a:t>
+              <a:t>FTP</a:t>
             </a:r>
             <a:endParaRPr kumimoji="1" lang="zh-CN" altLang="en-US" sz="1600" dirty="0"/>
           </a:p>
@@ -6375,6 +6376,100 @@
               <a:t>…</a:t>
             </a:r>
             <a:endParaRPr kumimoji="1" lang="zh-CN" altLang="en-US" sz="1600" dirty="0"/>
+          </a:p>
+        </p:txBody>
+      </p:sp>
+      <p:sp>
+        <p:nvSpPr>
+          <p:cNvPr id="45" name="矩形 44">
+            <a:extLst>
+              <a:ext uri="{FF2B5EF4-FFF2-40B4-BE49-F238E27FC236}">
+                <a16:creationId xmlns:a16="http://schemas.microsoft.com/office/drawing/2014/main" id="{BEC6A161-5079-5442-AC7B-5C87C09DD11D}"/>
+              </a:ext>
+            </a:extLst>
+          </p:cNvPr>
+          <p:cNvSpPr/>
+          <p:nvPr/>
+        </p:nvSpPr>
+        <p:spPr>
+          <a:xfrm>
+            <a:off x="8560486" y="4902624"/>
+            <a:ext cx="1004696" cy="444356"/>
+          </a:xfrm>
+          <a:prstGeom prst="rect">
+            <a:avLst/>
+          </a:prstGeom>
+          <a:solidFill>
+            <a:schemeClr val="accent1"/>
+          </a:solidFill>
+          <a:ln>
+            <a:noFill/>
+          </a:ln>
+        </p:spPr>
+        <p:style>
+          <a:lnRef idx="0">
+            <a:scrgbClr r="0" g="0" b="0"/>
+          </a:lnRef>
+          <a:fillRef idx="0">
+            <a:scrgbClr r="0" g="0" b="0"/>
+          </a:fillRef>
+          <a:effectRef idx="0">
+            <a:scrgbClr r="0" g="0" b="0"/>
+          </a:effectRef>
+          <a:fontRef idx="minor">
+            <a:schemeClr val="lt1"/>
+          </a:fontRef>
+        </p:style>
+        <p:txBody>
+          <a:bodyPr rtlCol="0" anchor="ctr"/>
+          <a:lstStyle/>
+          <a:p>
+            <a:pPr algn="ctr"/>
+            <a:r>
+              <a:rPr kumimoji="1" lang="zh-CN" altLang="en-US" sz="1600" dirty="0"/>
+              <a:t>统一存储</a:t>
+            </a:r>
+          </a:p>
+        </p:txBody>
+      </p:sp>
+      <p:sp>
+        <p:nvSpPr>
+          <p:cNvPr id="2" name="矩形 1">
+            <a:extLst>
+              <a:ext uri="{FF2B5EF4-FFF2-40B4-BE49-F238E27FC236}">
+                <a16:creationId xmlns:a16="http://schemas.microsoft.com/office/drawing/2014/main" id="{4CC2CD11-B57F-1F44-B54E-32FE0F2A2EBF}"/>
+              </a:ext>
+            </a:extLst>
+          </p:cNvPr>
+          <p:cNvSpPr/>
+          <p:nvPr/>
+        </p:nvSpPr>
+        <p:spPr>
+          <a:xfrm>
+            <a:off x="1452896" y="4801636"/>
+            <a:ext cx="691417" cy="646331"/>
+          </a:xfrm>
+          <a:prstGeom prst="rect">
+            <a:avLst/>
+          </a:prstGeom>
+        </p:spPr>
+        <p:txBody>
+          <a:bodyPr wrap="square">
+            <a:spAutoFit/>
+          </a:bodyPr>
+          <a:lstStyle/>
+          <a:p>
+            <a:r>
+              <a:rPr kumimoji="1" lang="zh-CN" altLang="en-US" dirty="0"/>
+              <a:t>技术</a:t>
+            </a:r>
+            <a:endParaRPr kumimoji="1" lang="en-US" altLang="zh-CN" dirty="0"/>
+          </a:p>
+          <a:p>
+            <a:r>
+              <a:rPr kumimoji="1" lang="zh-CN" altLang="en-US" dirty="0"/>
+              <a:t>中台</a:t>
+            </a:r>
           </a:p>
         </p:txBody>
       </p:sp>
